--- a/ppt 16-9/1334.神所要的祭.pptx
+++ b/ppt 16-9/1334.神所要的祭.pptx
@@ -5,7 +5,7 @@
     <p:sldMasterId id="2147483648" r:id="rId1"/>
   </p:sldMasterIdLst>
   <p:sldIdLst>
-    <p:sldId id="891" r:id="rId2"/>
+    <p:sldId id="892" r:id="rId2"/>
   </p:sldIdLst>
   <p:sldSz cx="12192000" cy="6858000"/>
   <p:notesSz cx="6858000" cy="9144000"/>
@@ -129,7 +129,7 @@
           <p:cNvPr id="2" name="标题 1">
             <a:extLst>
               <a:ext uri="{FF2B5EF4-FFF2-40B4-BE49-F238E27FC236}">
-                <a16:creationId xmlns:a16="http://schemas.microsoft.com/office/drawing/2014/main" id="{2D10A52F-75F9-D231-AA9E-84A2665522EC}"/>
+                <a16:creationId xmlns:a16="http://schemas.microsoft.com/office/drawing/2014/main" id="{D847C2A8-9C99-A848-8A67-3E35B5A2AC00}"/>
               </a:ext>
             </a:extLst>
           </p:cNvPr>
@@ -166,7 +166,7 @@
           <p:cNvPr id="3" name="副标题 2">
             <a:extLst>
               <a:ext uri="{FF2B5EF4-FFF2-40B4-BE49-F238E27FC236}">
-                <a16:creationId xmlns:a16="http://schemas.microsoft.com/office/drawing/2014/main" id="{A8AA5348-F1CE-E3DE-F45A-7D9AF6E235D8}"/>
+                <a16:creationId xmlns:a16="http://schemas.microsoft.com/office/drawing/2014/main" id="{69C5CF73-55CF-347E-2DF7-3BA0AB95EE39}"/>
               </a:ext>
             </a:extLst>
           </p:cNvPr>
@@ -236,7 +236,7 @@
           <p:cNvPr id="4" name="日期占位符 3">
             <a:extLst>
               <a:ext uri="{FF2B5EF4-FFF2-40B4-BE49-F238E27FC236}">
-                <a16:creationId xmlns:a16="http://schemas.microsoft.com/office/drawing/2014/main" id="{CF162D09-17D8-053D-1771-027BCB38AD90}"/>
+                <a16:creationId xmlns:a16="http://schemas.microsoft.com/office/drawing/2014/main" id="{26F90382-E906-2B2A-6BA0-BF4AF9C85FCF}"/>
               </a:ext>
             </a:extLst>
           </p:cNvPr>
@@ -252,7 +252,7 @@
           <a:bodyPr/>
           <a:lstStyle/>
           <a:p>
-            <a:fld id="{708B04D0-27CF-4B6A-9456-E6684E1C97B6}" type="datetimeFigureOut">
+            <a:fld id="{6F3F99D4-BCD1-47AE-8E5D-4E78E92B4144}" type="datetimeFigureOut">
               <a:rPr lang="zh-CN" altLang="en-US" smtClean="0"/>
               <a:t>2024/3/10</a:t>
             </a:fld>
@@ -265,7 +265,7 @@
           <p:cNvPr id="5" name="页脚占位符 4">
             <a:extLst>
               <a:ext uri="{FF2B5EF4-FFF2-40B4-BE49-F238E27FC236}">
-                <a16:creationId xmlns:a16="http://schemas.microsoft.com/office/drawing/2014/main" id="{7DCE5669-408E-1B44-081D-C1B2020EB1EB}"/>
+                <a16:creationId xmlns:a16="http://schemas.microsoft.com/office/drawing/2014/main" id="{59C39A6D-D8C8-4941-66FC-593F03BE81E3}"/>
               </a:ext>
             </a:extLst>
           </p:cNvPr>
@@ -290,7 +290,7 @@
           <p:cNvPr id="6" name="灯片编号占位符 5">
             <a:extLst>
               <a:ext uri="{FF2B5EF4-FFF2-40B4-BE49-F238E27FC236}">
-                <a16:creationId xmlns:a16="http://schemas.microsoft.com/office/drawing/2014/main" id="{17B4BBE2-20F9-B210-5098-2227F6C80A30}"/>
+                <a16:creationId xmlns:a16="http://schemas.microsoft.com/office/drawing/2014/main" id="{7379A9B4-74D9-665A-3A9E-33011D9F105A}"/>
               </a:ext>
             </a:extLst>
           </p:cNvPr>
@@ -306,7 +306,7 @@
           <a:bodyPr/>
           <a:lstStyle/>
           <a:p>
-            <a:fld id="{FF5D0CA1-1CE2-4D74-8B65-51CCEEE335C9}" type="slidenum">
+            <a:fld id="{387D6409-6D24-4FBE-9F54-EE6ED8E27A37}" type="slidenum">
               <a:rPr lang="zh-CN" altLang="en-US" smtClean="0"/>
               <a:t>‹#›</a:t>
             </a:fld>
@@ -317,7 +317,7 @@
     </p:spTree>
     <p:extLst>
       <p:ext uri="{BB962C8B-B14F-4D97-AF65-F5344CB8AC3E}">
-        <p14:creationId xmlns:p14="http://schemas.microsoft.com/office/powerpoint/2010/main" val="3473716179"/>
+        <p14:creationId xmlns:p14="http://schemas.microsoft.com/office/powerpoint/2010/main" val="2504530414"/>
       </p:ext>
     </p:extLst>
   </p:cSld>
@@ -349,7 +349,7 @@
           <p:cNvPr id="2" name="标题 1">
             <a:extLst>
               <a:ext uri="{FF2B5EF4-FFF2-40B4-BE49-F238E27FC236}">
-                <a16:creationId xmlns:a16="http://schemas.microsoft.com/office/drawing/2014/main" id="{E75EFA9E-02D5-261A-F097-7234C3F52C60}"/>
+                <a16:creationId xmlns:a16="http://schemas.microsoft.com/office/drawing/2014/main" id="{79559AD6-4311-6A80-A6D9-64A36E9FEBF5}"/>
               </a:ext>
             </a:extLst>
           </p:cNvPr>
@@ -377,7 +377,7 @@
           <p:cNvPr id="3" name="竖排文字占位符 2">
             <a:extLst>
               <a:ext uri="{FF2B5EF4-FFF2-40B4-BE49-F238E27FC236}">
-                <a16:creationId xmlns:a16="http://schemas.microsoft.com/office/drawing/2014/main" id="{B6B37874-BB59-F510-F3FF-8BD0F0C1D365}"/>
+                <a16:creationId xmlns:a16="http://schemas.microsoft.com/office/drawing/2014/main" id="{BA3BE934-6D0D-537C-334E-2E2A963A80EA}"/>
               </a:ext>
             </a:extLst>
           </p:cNvPr>
@@ -434,7 +434,7 @@
           <p:cNvPr id="4" name="日期占位符 3">
             <a:extLst>
               <a:ext uri="{FF2B5EF4-FFF2-40B4-BE49-F238E27FC236}">
-                <a16:creationId xmlns:a16="http://schemas.microsoft.com/office/drawing/2014/main" id="{38328614-992A-B415-1D67-4A553DD91B06}"/>
+                <a16:creationId xmlns:a16="http://schemas.microsoft.com/office/drawing/2014/main" id="{50D1C78B-D222-C448-9454-03FA6993043E}"/>
               </a:ext>
             </a:extLst>
           </p:cNvPr>
@@ -450,7 +450,7 @@
           <a:bodyPr/>
           <a:lstStyle/>
           <a:p>
-            <a:fld id="{708B04D0-27CF-4B6A-9456-E6684E1C97B6}" type="datetimeFigureOut">
+            <a:fld id="{6F3F99D4-BCD1-47AE-8E5D-4E78E92B4144}" type="datetimeFigureOut">
               <a:rPr lang="zh-CN" altLang="en-US" smtClean="0"/>
               <a:t>2024/3/10</a:t>
             </a:fld>
@@ -463,7 +463,7 @@
           <p:cNvPr id="5" name="页脚占位符 4">
             <a:extLst>
               <a:ext uri="{FF2B5EF4-FFF2-40B4-BE49-F238E27FC236}">
-                <a16:creationId xmlns:a16="http://schemas.microsoft.com/office/drawing/2014/main" id="{155C9571-BD15-C5D4-278F-E74A5F398941}"/>
+                <a16:creationId xmlns:a16="http://schemas.microsoft.com/office/drawing/2014/main" id="{1C31BAE2-E49E-1C22-657C-DCF40B7EA564}"/>
               </a:ext>
             </a:extLst>
           </p:cNvPr>
@@ -488,7 +488,7 @@
           <p:cNvPr id="6" name="灯片编号占位符 5">
             <a:extLst>
               <a:ext uri="{FF2B5EF4-FFF2-40B4-BE49-F238E27FC236}">
-                <a16:creationId xmlns:a16="http://schemas.microsoft.com/office/drawing/2014/main" id="{19D161BC-37DE-5819-E6DE-E5CAAA021521}"/>
+                <a16:creationId xmlns:a16="http://schemas.microsoft.com/office/drawing/2014/main" id="{7E61B9A9-8460-277A-3824-BF42BEBB1173}"/>
               </a:ext>
             </a:extLst>
           </p:cNvPr>
@@ -504,7 +504,7 @@
           <a:bodyPr/>
           <a:lstStyle/>
           <a:p>
-            <a:fld id="{FF5D0CA1-1CE2-4D74-8B65-51CCEEE335C9}" type="slidenum">
+            <a:fld id="{387D6409-6D24-4FBE-9F54-EE6ED8E27A37}" type="slidenum">
               <a:rPr lang="zh-CN" altLang="en-US" smtClean="0"/>
               <a:t>‹#›</a:t>
             </a:fld>
@@ -515,7 +515,7 @@
     </p:spTree>
     <p:extLst>
       <p:ext uri="{BB962C8B-B14F-4D97-AF65-F5344CB8AC3E}">
-        <p14:creationId xmlns:p14="http://schemas.microsoft.com/office/powerpoint/2010/main" val="1558125902"/>
+        <p14:creationId xmlns:p14="http://schemas.microsoft.com/office/powerpoint/2010/main" val="3395427315"/>
       </p:ext>
     </p:extLst>
   </p:cSld>
@@ -547,7 +547,7 @@
           <p:cNvPr id="2" name="竖排标题 1">
             <a:extLst>
               <a:ext uri="{FF2B5EF4-FFF2-40B4-BE49-F238E27FC236}">
-                <a16:creationId xmlns:a16="http://schemas.microsoft.com/office/drawing/2014/main" id="{0EF2429C-2518-FF5A-C785-526F24D30CE6}"/>
+                <a16:creationId xmlns:a16="http://schemas.microsoft.com/office/drawing/2014/main" id="{9ED36FD9-023D-A4E9-3559-EB6FFC70475E}"/>
               </a:ext>
             </a:extLst>
           </p:cNvPr>
@@ -580,7 +580,7 @@
           <p:cNvPr id="3" name="竖排文字占位符 2">
             <a:extLst>
               <a:ext uri="{FF2B5EF4-FFF2-40B4-BE49-F238E27FC236}">
-                <a16:creationId xmlns:a16="http://schemas.microsoft.com/office/drawing/2014/main" id="{37A4108C-FF19-AD68-7447-2F73FBC18100}"/>
+                <a16:creationId xmlns:a16="http://schemas.microsoft.com/office/drawing/2014/main" id="{4FCD7768-87C8-2ADC-9CE9-DF1B0DBAC826}"/>
               </a:ext>
             </a:extLst>
           </p:cNvPr>
@@ -642,7 +642,7 @@
           <p:cNvPr id="4" name="日期占位符 3">
             <a:extLst>
               <a:ext uri="{FF2B5EF4-FFF2-40B4-BE49-F238E27FC236}">
-                <a16:creationId xmlns:a16="http://schemas.microsoft.com/office/drawing/2014/main" id="{A9A4DC7D-827D-24E1-5166-DE340FFF6B1D}"/>
+                <a16:creationId xmlns:a16="http://schemas.microsoft.com/office/drawing/2014/main" id="{C413DF87-C592-13C3-2A8E-BB999552F89C}"/>
               </a:ext>
             </a:extLst>
           </p:cNvPr>
@@ -658,7 +658,7 @@
           <a:bodyPr/>
           <a:lstStyle/>
           <a:p>
-            <a:fld id="{708B04D0-27CF-4B6A-9456-E6684E1C97B6}" type="datetimeFigureOut">
+            <a:fld id="{6F3F99D4-BCD1-47AE-8E5D-4E78E92B4144}" type="datetimeFigureOut">
               <a:rPr lang="zh-CN" altLang="en-US" smtClean="0"/>
               <a:t>2024/3/10</a:t>
             </a:fld>
@@ -671,7 +671,7 @@
           <p:cNvPr id="5" name="页脚占位符 4">
             <a:extLst>
               <a:ext uri="{FF2B5EF4-FFF2-40B4-BE49-F238E27FC236}">
-                <a16:creationId xmlns:a16="http://schemas.microsoft.com/office/drawing/2014/main" id="{B8FB2BCB-01AF-4C53-8B60-E140DF19BCDB}"/>
+                <a16:creationId xmlns:a16="http://schemas.microsoft.com/office/drawing/2014/main" id="{21114623-4927-5B34-4318-3D1B3D5771C8}"/>
               </a:ext>
             </a:extLst>
           </p:cNvPr>
@@ -696,7 +696,7 @@
           <p:cNvPr id="6" name="灯片编号占位符 5">
             <a:extLst>
               <a:ext uri="{FF2B5EF4-FFF2-40B4-BE49-F238E27FC236}">
-                <a16:creationId xmlns:a16="http://schemas.microsoft.com/office/drawing/2014/main" id="{C4920358-0D90-E3B1-9464-64D3907704C5}"/>
+                <a16:creationId xmlns:a16="http://schemas.microsoft.com/office/drawing/2014/main" id="{778AD7B7-7DF8-4012-7CC8-D5DCF9F088F8}"/>
               </a:ext>
             </a:extLst>
           </p:cNvPr>
@@ -712,7 +712,7 @@
           <a:bodyPr/>
           <a:lstStyle/>
           <a:p>
-            <a:fld id="{FF5D0CA1-1CE2-4D74-8B65-51CCEEE335C9}" type="slidenum">
+            <a:fld id="{387D6409-6D24-4FBE-9F54-EE6ED8E27A37}" type="slidenum">
               <a:rPr lang="zh-CN" altLang="en-US" smtClean="0"/>
               <a:t>‹#›</a:t>
             </a:fld>
@@ -723,7 +723,7 @@
     </p:spTree>
     <p:extLst>
       <p:ext uri="{BB962C8B-B14F-4D97-AF65-F5344CB8AC3E}">
-        <p14:creationId xmlns:p14="http://schemas.microsoft.com/office/powerpoint/2010/main" val="357768799"/>
+        <p14:creationId xmlns:p14="http://schemas.microsoft.com/office/powerpoint/2010/main" val="1854230889"/>
       </p:ext>
     </p:extLst>
   </p:cSld>
@@ -755,7 +755,7 @@
           <p:cNvPr id="2" name="标题 1">
             <a:extLst>
               <a:ext uri="{FF2B5EF4-FFF2-40B4-BE49-F238E27FC236}">
-                <a16:creationId xmlns:a16="http://schemas.microsoft.com/office/drawing/2014/main" id="{CD9FCC4C-F89C-4432-EDA9-7C3C6C06147C}"/>
+                <a16:creationId xmlns:a16="http://schemas.microsoft.com/office/drawing/2014/main" id="{F6E052E2-8828-5E58-1605-C15770129D3A}"/>
               </a:ext>
             </a:extLst>
           </p:cNvPr>
@@ -783,7 +783,7 @@
           <p:cNvPr id="3" name="内容占位符 2">
             <a:extLst>
               <a:ext uri="{FF2B5EF4-FFF2-40B4-BE49-F238E27FC236}">
-                <a16:creationId xmlns:a16="http://schemas.microsoft.com/office/drawing/2014/main" id="{2E72FEDD-1A50-FCBD-4CD4-1C1883063127}"/>
+                <a16:creationId xmlns:a16="http://schemas.microsoft.com/office/drawing/2014/main" id="{29AF0570-959C-8266-3FF7-8DCA68575B78}"/>
               </a:ext>
             </a:extLst>
           </p:cNvPr>
@@ -840,7 +840,7 @@
           <p:cNvPr id="4" name="日期占位符 3">
             <a:extLst>
               <a:ext uri="{FF2B5EF4-FFF2-40B4-BE49-F238E27FC236}">
-                <a16:creationId xmlns:a16="http://schemas.microsoft.com/office/drawing/2014/main" id="{E62DA40D-CB27-283B-89D1-85B2E069949C}"/>
+                <a16:creationId xmlns:a16="http://schemas.microsoft.com/office/drawing/2014/main" id="{509055BE-87F7-6523-14CB-34D793722368}"/>
               </a:ext>
             </a:extLst>
           </p:cNvPr>
@@ -856,7 +856,7 @@
           <a:bodyPr/>
           <a:lstStyle/>
           <a:p>
-            <a:fld id="{708B04D0-27CF-4B6A-9456-E6684E1C97B6}" type="datetimeFigureOut">
+            <a:fld id="{6F3F99D4-BCD1-47AE-8E5D-4E78E92B4144}" type="datetimeFigureOut">
               <a:rPr lang="zh-CN" altLang="en-US" smtClean="0"/>
               <a:t>2024/3/10</a:t>
             </a:fld>
@@ -869,7 +869,7 @@
           <p:cNvPr id="5" name="页脚占位符 4">
             <a:extLst>
               <a:ext uri="{FF2B5EF4-FFF2-40B4-BE49-F238E27FC236}">
-                <a16:creationId xmlns:a16="http://schemas.microsoft.com/office/drawing/2014/main" id="{25703D79-B8A1-135D-B89F-5A3A7AD39811}"/>
+                <a16:creationId xmlns:a16="http://schemas.microsoft.com/office/drawing/2014/main" id="{13F8F6C3-F27A-7BE3-C814-02065D4C9180}"/>
               </a:ext>
             </a:extLst>
           </p:cNvPr>
@@ -894,7 +894,7 @@
           <p:cNvPr id="6" name="灯片编号占位符 5">
             <a:extLst>
               <a:ext uri="{FF2B5EF4-FFF2-40B4-BE49-F238E27FC236}">
-                <a16:creationId xmlns:a16="http://schemas.microsoft.com/office/drawing/2014/main" id="{939E6BC1-6709-583C-F151-A1C99FBFEDD7}"/>
+                <a16:creationId xmlns:a16="http://schemas.microsoft.com/office/drawing/2014/main" id="{CA6BC9EA-B912-9F32-18DA-5EC69DD62DA1}"/>
               </a:ext>
             </a:extLst>
           </p:cNvPr>
@@ -910,7 +910,7 @@
           <a:bodyPr/>
           <a:lstStyle/>
           <a:p>
-            <a:fld id="{FF5D0CA1-1CE2-4D74-8B65-51CCEEE335C9}" type="slidenum">
+            <a:fld id="{387D6409-6D24-4FBE-9F54-EE6ED8E27A37}" type="slidenum">
               <a:rPr lang="zh-CN" altLang="en-US" smtClean="0"/>
               <a:t>‹#›</a:t>
             </a:fld>
@@ -921,7 +921,7 @@
     </p:spTree>
     <p:extLst>
       <p:ext uri="{BB962C8B-B14F-4D97-AF65-F5344CB8AC3E}">
-        <p14:creationId xmlns:p14="http://schemas.microsoft.com/office/powerpoint/2010/main" val="3035523445"/>
+        <p14:creationId xmlns:p14="http://schemas.microsoft.com/office/powerpoint/2010/main" val="1765088628"/>
       </p:ext>
     </p:extLst>
   </p:cSld>
@@ -953,7 +953,7 @@
           <p:cNvPr id="2" name="标题 1">
             <a:extLst>
               <a:ext uri="{FF2B5EF4-FFF2-40B4-BE49-F238E27FC236}">
-                <a16:creationId xmlns:a16="http://schemas.microsoft.com/office/drawing/2014/main" id="{26DA120B-D858-E39B-F631-D6D55682F7C1}"/>
+                <a16:creationId xmlns:a16="http://schemas.microsoft.com/office/drawing/2014/main" id="{F4025BBE-6584-663E-D83A-2AE73212749B}"/>
               </a:ext>
             </a:extLst>
           </p:cNvPr>
@@ -990,7 +990,7 @@
           <p:cNvPr id="3" name="文本占位符 2">
             <a:extLst>
               <a:ext uri="{FF2B5EF4-FFF2-40B4-BE49-F238E27FC236}">
-                <a16:creationId xmlns:a16="http://schemas.microsoft.com/office/drawing/2014/main" id="{102EA270-8BE9-2FA1-5372-1841B90E54AE}"/>
+                <a16:creationId xmlns:a16="http://schemas.microsoft.com/office/drawing/2014/main" id="{86A07F83-AD7F-6ADA-55FD-E8E9DAA06117}"/>
               </a:ext>
             </a:extLst>
           </p:cNvPr>
@@ -1115,7 +1115,7 @@
           <p:cNvPr id="4" name="日期占位符 3">
             <a:extLst>
               <a:ext uri="{FF2B5EF4-FFF2-40B4-BE49-F238E27FC236}">
-                <a16:creationId xmlns:a16="http://schemas.microsoft.com/office/drawing/2014/main" id="{D84357CF-87D8-5A12-A06D-2DC8DC35C29F}"/>
+                <a16:creationId xmlns:a16="http://schemas.microsoft.com/office/drawing/2014/main" id="{FB3A958D-F5EC-15F6-3171-754A642F81D4}"/>
               </a:ext>
             </a:extLst>
           </p:cNvPr>
@@ -1131,7 +1131,7 @@
           <a:bodyPr/>
           <a:lstStyle/>
           <a:p>
-            <a:fld id="{708B04D0-27CF-4B6A-9456-E6684E1C97B6}" type="datetimeFigureOut">
+            <a:fld id="{6F3F99D4-BCD1-47AE-8E5D-4E78E92B4144}" type="datetimeFigureOut">
               <a:rPr lang="zh-CN" altLang="en-US" smtClean="0"/>
               <a:t>2024/3/10</a:t>
             </a:fld>
@@ -1144,7 +1144,7 @@
           <p:cNvPr id="5" name="页脚占位符 4">
             <a:extLst>
               <a:ext uri="{FF2B5EF4-FFF2-40B4-BE49-F238E27FC236}">
-                <a16:creationId xmlns:a16="http://schemas.microsoft.com/office/drawing/2014/main" id="{8C58F13E-F8E3-9878-3522-535FFBE98BF3}"/>
+                <a16:creationId xmlns:a16="http://schemas.microsoft.com/office/drawing/2014/main" id="{FDC30985-C056-F5E0-3CC7-E61E0C5D79AA}"/>
               </a:ext>
             </a:extLst>
           </p:cNvPr>
@@ -1169,7 +1169,7 @@
           <p:cNvPr id="6" name="灯片编号占位符 5">
             <a:extLst>
               <a:ext uri="{FF2B5EF4-FFF2-40B4-BE49-F238E27FC236}">
-                <a16:creationId xmlns:a16="http://schemas.microsoft.com/office/drawing/2014/main" id="{1FE06F19-85B5-A82C-4AA2-3DBDF46CF097}"/>
+                <a16:creationId xmlns:a16="http://schemas.microsoft.com/office/drawing/2014/main" id="{23EA7648-FDF1-7F6A-C4C7-716E3B3E72D9}"/>
               </a:ext>
             </a:extLst>
           </p:cNvPr>
@@ -1185,7 +1185,7 @@
           <a:bodyPr/>
           <a:lstStyle/>
           <a:p>
-            <a:fld id="{FF5D0CA1-1CE2-4D74-8B65-51CCEEE335C9}" type="slidenum">
+            <a:fld id="{387D6409-6D24-4FBE-9F54-EE6ED8E27A37}" type="slidenum">
               <a:rPr lang="zh-CN" altLang="en-US" smtClean="0"/>
               <a:t>‹#›</a:t>
             </a:fld>
@@ -1196,7 +1196,7 @@
     </p:spTree>
     <p:extLst>
       <p:ext uri="{BB962C8B-B14F-4D97-AF65-F5344CB8AC3E}">
-        <p14:creationId xmlns:p14="http://schemas.microsoft.com/office/powerpoint/2010/main" val="3354871990"/>
+        <p14:creationId xmlns:p14="http://schemas.microsoft.com/office/powerpoint/2010/main" val="1120630341"/>
       </p:ext>
     </p:extLst>
   </p:cSld>
@@ -1228,7 +1228,7 @@
           <p:cNvPr id="2" name="标题 1">
             <a:extLst>
               <a:ext uri="{FF2B5EF4-FFF2-40B4-BE49-F238E27FC236}">
-                <a16:creationId xmlns:a16="http://schemas.microsoft.com/office/drawing/2014/main" id="{213E4942-9B58-35DE-7253-69DCC703FB70}"/>
+                <a16:creationId xmlns:a16="http://schemas.microsoft.com/office/drawing/2014/main" id="{25922E94-2B88-4410-2371-BF17CC0DAE8D}"/>
               </a:ext>
             </a:extLst>
           </p:cNvPr>
@@ -1256,7 +1256,7 @@
           <p:cNvPr id="3" name="内容占位符 2">
             <a:extLst>
               <a:ext uri="{FF2B5EF4-FFF2-40B4-BE49-F238E27FC236}">
-                <a16:creationId xmlns:a16="http://schemas.microsoft.com/office/drawing/2014/main" id="{47BBDCAC-DE14-0C81-EB7A-137BE3EEE9F4}"/>
+                <a16:creationId xmlns:a16="http://schemas.microsoft.com/office/drawing/2014/main" id="{706A2BD6-F62B-6DBF-BEA6-81A48F980B50}"/>
               </a:ext>
             </a:extLst>
           </p:cNvPr>
@@ -1318,7 +1318,7 @@
           <p:cNvPr id="4" name="内容占位符 3">
             <a:extLst>
               <a:ext uri="{FF2B5EF4-FFF2-40B4-BE49-F238E27FC236}">
-                <a16:creationId xmlns:a16="http://schemas.microsoft.com/office/drawing/2014/main" id="{A942CD88-EBDF-094E-3BA1-BDE5AC246E39}"/>
+                <a16:creationId xmlns:a16="http://schemas.microsoft.com/office/drawing/2014/main" id="{56A58896-1EB2-F0CD-2C5B-A192C1453EF9}"/>
               </a:ext>
             </a:extLst>
           </p:cNvPr>
@@ -1380,7 +1380,7 @@
           <p:cNvPr id="5" name="日期占位符 4">
             <a:extLst>
               <a:ext uri="{FF2B5EF4-FFF2-40B4-BE49-F238E27FC236}">
-                <a16:creationId xmlns:a16="http://schemas.microsoft.com/office/drawing/2014/main" id="{EA0224F8-C393-0FFC-9EA1-8DAAFFBAC778}"/>
+                <a16:creationId xmlns:a16="http://schemas.microsoft.com/office/drawing/2014/main" id="{608D0CCF-792E-4DA2-3AFB-6C10B956A46F}"/>
               </a:ext>
             </a:extLst>
           </p:cNvPr>
@@ -1396,7 +1396,7 @@
           <a:bodyPr/>
           <a:lstStyle/>
           <a:p>
-            <a:fld id="{708B04D0-27CF-4B6A-9456-E6684E1C97B6}" type="datetimeFigureOut">
+            <a:fld id="{6F3F99D4-BCD1-47AE-8E5D-4E78E92B4144}" type="datetimeFigureOut">
               <a:rPr lang="zh-CN" altLang="en-US" smtClean="0"/>
               <a:t>2024/3/10</a:t>
             </a:fld>
@@ -1409,7 +1409,7 @@
           <p:cNvPr id="6" name="页脚占位符 5">
             <a:extLst>
               <a:ext uri="{FF2B5EF4-FFF2-40B4-BE49-F238E27FC236}">
-                <a16:creationId xmlns:a16="http://schemas.microsoft.com/office/drawing/2014/main" id="{80E63EEE-F253-5794-66DF-ED1574480994}"/>
+                <a16:creationId xmlns:a16="http://schemas.microsoft.com/office/drawing/2014/main" id="{0A8C39BB-CAE1-68BE-34B6-D44F66AAD439}"/>
               </a:ext>
             </a:extLst>
           </p:cNvPr>
@@ -1434,7 +1434,7 @@
           <p:cNvPr id="7" name="灯片编号占位符 6">
             <a:extLst>
               <a:ext uri="{FF2B5EF4-FFF2-40B4-BE49-F238E27FC236}">
-                <a16:creationId xmlns:a16="http://schemas.microsoft.com/office/drawing/2014/main" id="{6238E454-3AF8-C779-F391-D2FACEC05EB3}"/>
+                <a16:creationId xmlns:a16="http://schemas.microsoft.com/office/drawing/2014/main" id="{F316BB74-1BB4-F3C6-2007-6E1F9F430313}"/>
               </a:ext>
             </a:extLst>
           </p:cNvPr>
@@ -1450,7 +1450,7 @@
           <a:bodyPr/>
           <a:lstStyle/>
           <a:p>
-            <a:fld id="{FF5D0CA1-1CE2-4D74-8B65-51CCEEE335C9}" type="slidenum">
+            <a:fld id="{387D6409-6D24-4FBE-9F54-EE6ED8E27A37}" type="slidenum">
               <a:rPr lang="zh-CN" altLang="en-US" smtClean="0"/>
               <a:t>‹#›</a:t>
             </a:fld>
@@ -1461,7 +1461,7 @@
     </p:spTree>
     <p:extLst>
       <p:ext uri="{BB962C8B-B14F-4D97-AF65-F5344CB8AC3E}">
-        <p14:creationId xmlns:p14="http://schemas.microsoft.com/office/powerpoint/2010/main" val="1174290681"/>
+        <p14:creationId xmlns:p14="http://schemas.microsoft.com/office/powerpoint/2010/main" val="2191729535"/>
       </p:ext>
     </p:extLst>
   </p:cSld>
@@ -1493,7 +1493,7 @@
           <p:cNvPr id="2" name="标题 1">
             <a:extLst>
               <a:ext uri="{FF2B5EF4-FFF2-40B4-BE49-F238E27FC236}">
-                <a16:creationId xmlns:a16="http://schemas.microsoft.com/office/drawing/2014/main" id="{062F8D17-D52A-1638-64C2-070980689AC6}"/>
+                <a16:creationId xmlns:a16="http://schemas.microsoft.com/office/drawing/2014/main" id="{C5075E2B-6B90-8B8D-5C74-84A9211C0105}"/>
               </a:ext>
             </a:extLst>
           </p:cNvPr>
@@ -1526,7 +1526,7 @@
           <p:cNvPr id="3" name="文本占位符 2">
             <a:extLst>
               <a:ext uri="{FF2B5EF4-FFF2-40B4-BE49-F238E27FC236}">
-                <a16:creationId xmlns:a16="http://schemas.microsoft.com/office/drawing/2014/main" id="{D26E51AD-FF63-1784-79EE-19540C2CF3F2}"/>
+                <a16:creationId xmlns:a16="http://schemas.microsoft.com/office/drawing/2014/main" id="{40031BEF-7E25-5ABC-33CC-384617A568E2}"/>
               </a:ext>
             </a:extLst>
           </p:cNvPr>
@@ -1597,7 +1597,7 @@
           <p:cNvPr id="4" name="内容占位符 3">
             <a:extLst>
               <a:ext uri="{FF2B5EF4-FFF2-40B4-BE49-F238E27FC236}">
-                <a16:creationId xmlns:a16="http://schemas.microsoft.com/office/drawing/2014/main" id="{94E02D81-F27E-F173-886F-D84FCC6970EE}"/>
+                <a16:creationId xmlns:a16="http://schemas.microsoft.com/office/drawing/2014/main" id="{451B1280-BAA1-D55F-994B-B803D386308E}"/>
               </a:ext>
             </a:extLst>
           </p:cNvPr>
@@ -1659,7 +1659,7 @@
           <p:cNvPr id="5" name="文本占位符 4">
             <a:extLst>
               <a:ext uri="{FF2B5EF4-FFF2-40B4-BE49-F238E27FC236}">
-                <a16:creationId xmlns:a16="http://schemas.microsoft.com/office/drawing/2014/main" id="{74E83B1E-3CC9-0A9E-7284-71CE44B877B5}"/>
+                <a16:creationId xmlns:a16="http://schemas.microsoft.com/office/drawing/2014/main" id="{AE8F58B7-B214-3E48-73A8-345FAA61F424}"/>
               </a:ext>
             </a:extLst>
           </p:cNvPr>
@@ -1730,7 +1730,7 @@
           <p:cNvPr id="6" name="内容占位符 5">
             <a:extLst>
               <a:ext uri="{FF2B5EF4-FFF2-40B4-BE49-F238E27FC236}">
-                <a16:creationId xmlns:a16="http://schemas.microsoft.com/office/drawing/2014/main" id="{49951255-BA1C-0FF0-0510-DDA97D2B6AF8}"/>
+                <a16:creationId xmlns:a16="http://schemas.microsoft.com/office/drawing/2014/main" id="{9DA811A5-5FBE-D186-1177-8ACF4FCD6B93}"/>
               </a:ext>
             </a:extLst>
           </p:cNvPr>
@@ -1792,7 +1792,7 @@
           <p:cNvPr id="7" name="日期占位符 6">
             <a:extLst>
               <a:ext uri="{FF2B5EF4-FFF2-40B4-BE49-F238E27FC236}">
-                <a16:creationId xmlns:a16="http://schemas.microsoft.com/office/drawing/2014/main" id="{E07CDFD8-3BBF-C3C9-DC24-7EFE198A79E9}"/>
+                <a16:creationId xmlns:a16="http://schemas.microsoft.com/office/drawing/2014/main" id="{8CE6CB26-6A6C-BC79-96FC-49126BBE9EF9}"/>
               </a:ext>
             </a:extLst>
           </p:cNvPr>
@@ -1808,7 +1808,7 @@
           <a:bodyPr/>
           <a:lstStyle/>
           <a:p>
-            <a:fld id="{708B04D0-27CF-4B6A-9456-E6684E1C97B6}" type="datetimeFigureOut">
+            <a:fld id="{6F3F99D4-BCD1-47AE-8E5D-4E78E92B4144}" type="datetimeFigureOut">
               <a:rPr lang="zh-CN" altLang="en-US" smtClean="0"/>
               <a:t>2024/3/10</a:t>
             </a:fld>
@@ -1821,7 +1821,7 @@
           <p:cNvPr id="8" name="页脚占位符 7">
             <a:extLst>
               <a:ext uri="{FF2B5EF4-FFF2-40B4-BE49-F238E27FC236}">
-                <a16:creationId xmlns:a16="http://schemas.microsoft.com/office/drawing/2014/main" id="{1AF74B45-0ED7-6AC6-F869-E248A6367D5E}"/>
+                <a16:creationId xmlns:a16="http://schemas.microsoft.com/office/drawing/2014/main" id="{59CE3897-714E-88E0-35C2-DC0428E1430D}"/>
               </a:ext>
             </a:extLst>
           </p:cNvPr>
@@ -1846,7 +1846,7 @@
           <p:cNvPr id="9" name="灯片编号占位符 8">
             <a:extLst>
               <a:ext uri="{FF2B5EF4-FFF2-40B4-BE49-F238E27FC236}">
-                <a16:creationId xmlns:a16="http://schemas.microsoft.com/office/drawing/2014/main" id="{D0156F4D-A94E-A9F4-2910-E6EACF6D9FF9}"/>
+                <a16:creationId xmlns:a16="http://schemas.microsoft.com/office/drawing/2014/main" id="{5595AB86-65AD-1AF7-B3BC-BA9FFB73A092}"/>
               </a:ext>
             </a:extLst>
           </p:cNvPr>
@@ -1862,7 +1862,7 @@
           <a:bodyPr/>
           <a:lstStyle/>
           <a:p>
-            <a:fld id="{FF5D0CA1-1CE2-4D74-8B65-51CCEEE335C9}" type="slidenum">
+            <a:fld id="{387D6409-6D24-4FBE-9F54-EE6ED8E27A37}" type="slidenum">
               <a:rPr lang="zh-CN" altLang="en-US" smtClean="0"/>
               <a:t>‹#›</a:t>
             </a:fld>
@@ -1873,7 +1873,7 @@
     </p:spTree>
     <p:extLst>
       <p:ext uri="{BB962C8B-B14F-4D97-AF65-F5344CB8AC3E}">
-        <p14:creationId xmlns:p14="http://schemas.microsoft.com/office/powerpoint/2010/main" val="595935498"/>
+        <p14:creationId xmlns:p14="http://schemas.microsoft.com/office/powerpoint/2010/main" val="4217871336"/>
       </p:ext>
     </p:extLst>
   </p:cSld>
@@ -1905,7 +1905,7 @@
           <p:cNvPr id="2" name="标题 1">
             <a:extLst>
               <a:ext uri="{FF2B5EF4-FFF2-40B4-BE49-F238E27FC236}">
-                <a16:creationId xmlns:a16="http://schemas.microsoft.com/office/drawing/2014/main" id="{8A11C47E-4A48-E3D3-7BA8-6805FD310E95}"/>
+                <a16:creationId xmlns:a16="http://schemas.microsoft.com/office/drawing/2014/main" id="{6CAFACBA-2E96-D902-CC1D-524B6DB2F2AD}"/>
               </a:ext>
             </a:extLst>
           </p:cNvPr>
@@ -1933,7 +1933,7 @@
           <p:cNvPr id="3" name="日期占位符 2">
             <a:extLst>
               <a:ext uri="{FF2B5EF4-FFF2-40B4-BE49-F238E27FC236}">
-                <a16:creationId xmlns:a16="http://schemas.microsoft.com/office/drawing/2014/main" id="{C9934C75-8D5C-5DCC-8B0D-7F65339FD93B}"/>
+                <a16:creationId xmlns:a16="http://schemas.microsoft.com/office/drawing/2014/main" id="{14B70C53-D617-38A6-1679-F0952F5F9BD1}"/>
               </a:ext>
             </a:extLst>
           </p:cNvPr>
@@ -1949,7 +1949,7 @@
           <a:bodyPr/>
           <a:lstStyle/>
           <a:p>
-            <a:fld id="{708B04D0-27CF-4B6A-9456-E6684E1C97B6}" type="datetimeFigureOut">
+            <a:fld id="{6F3F99D4-BCD1-47AE-8E5D-4E78E92B4144}" type="datetimeFigureOut">
               <a:rPr lang="zh-CN" altLang="en-US" smtClean="0"/>
               <a:t>2024/3/10</a:t>
             </a:fld>
@@ -1962,7 +1962,7 @@
           <p:cNvPr id="4" name="页脚占位符 3">
             <a:extLst>
               <a:ext uri="{FF2B5EF4-FFF2-40B4-BE49-F238E27FC236}">
-                <a16:creationId xmlns:a16="http://schemas.microsoft.com/office/drawing/2014/main" id="{62420467-1813-4F42-0F44-B5FBA739135E}"/>
+                <a16:creationId xmlns:a16="http://schemas.microsoft.com/office/drawing/2014/main" id="{84E9C7A1-3134-B575-513D-6C2858C5F1F9}"/>
               </a:ext>
             </a:extLst>
           </p:cNvPr>
@@ -1987,7 +1987,7 @@
           <p:cNvPr id="5" name="灯片编号占位符 4">
             <a:extLst>
               <a:ext uri="{FF2B5EF4-FFF2-40B4-BE49-F238E27FC236}">
-                <a16:creationId xmlns:a16="http://schemas.microsoft.com/office/drawing/2014/main" id="{48346D29-F200-7F66-6334-2FF1A69D2C75}"/>
+                <a16:creationId xmlns:a16="http://schemas.microsoft.com/office/drawing/2014/main" id="{7A199350-838C-30AA-A266-E70E05B83B7E}"/>
               </a:ext>
             </a:extLst>
           </p:cNvPr>
@@ -2003,7 +2003,7 @@
           <a:bodyPr/>
           <a:lstStyle/>
           <a:p>
-            <a:fld id="{FF5D0CA1-1CE2-4D74-8B65-51CCEEE335C9}" type="slidenum">
+            <a:fld id="{387D6409-6D24-4FBE-9F54-EE6ED8E27A37}" type="slidenum">
               <a:rPr lang="zh-CN" altLang="en-US" smtClean="0"/>
               <a:t>‹#›</a:t>
             </a:fld>
@@ -2014,7 +2014,7 @@
     </p:spTree>
     <p:extLst>
       <p:ext uri="{BB962C8B-B14F-4D97-AF65-F5344CB8AC3E}">
-        <p14:creationId xmlns:p14="http://schemas.microsoft.com/office/powerpoint/2010/main" val="2282701984"/>
+        <p14:creationId xmlns:p14="http://schemas.microsoft.com/office/powerpoint/2010/main" val="2219646672"/>
       </p:ext>
     </p:extLst>
   </p:cSld>
@@ -2046,7 +2046,7 @@
           <p:cNvPr id="2" name="日期占位符 1">
             <a:extLst>
               <a:ext uri="{FF2B5EF4-FFF2-40B4-BE49-F238E27FC236}">
-                <a16:creationId xmlns:a16="http://schemas.microsoft.com/office/drawing/2014/main" id="{52E96F15-7235-0A08-DB75-A7AD91CD1918}"/>
+                <a16:creationId xmlns:a16="http://schemas.microsoft.com/office/drawing/2014/main" id="{5E9FED45-4CEB-FBA6-7B2E-A8503DF63BF1}"/>
               </a:ext>
             </a:extLst>
           </p:cNvPr>
@@ -2062,7 +2062,7 @@
           <a:bodyPr/>
           <a:lstStyle/>
           <a:p>
-            <a:fld id="{708B04D0-27CF-4B6A-9456-E6684E1C97B6}" type="datetimeFigureOut">
+            <a:fld id="{6F3F99D4-BCD1-47AE-8E5D-4E78E92B4144}" type="datetimeFigureOut">
               <a:rPr lang="zh-CN" altLang="en-US" smtClean="0"/>
               <a:t>2024/3/10</a:t>
             </a:fld>
@@ -2075,7 +2075,7 @@
           <p:cNvPr id="3" name="页脚占位符 2">
             <a:extLst>
               <a:ext uri="{FF2B5EF4-FFF2-40B4-BE49-F238E27FC236}">
-                <a16:creationId xmlns:a16="http://schemas.microsoft.com/office/drawing/2014/main" id="{A350A976-83A9-BF7B-B04E-B1F5B968EC68}"/>
+                <a16:creationId xmlns:a16="http://schemas.microsoft.com/office/drawing/2014/main" id="{A84E1F7D-6642-9989-DC70-BE246BE9F727}"/>
               </a:ext>
             </a:extLst>
           </p:cNvPr>
@@ -2100,7 +2100,7 @@
           <p:cNvPr id="4" name="灯片编号占位符 3">
             <a:extLst>
               <a:ext uri="{FF2B5EF4-FFF2-40B4-BE49-F238E27FC236}">
-                <a16:creationId xmlns:a16="http://schemas.microsoft.com/office/drawing/2014/main" id="{707061B4-7B34-D139-D70D-A24A16343E22}"/>
+                <a16:creationId xmlns:a16="http://schemas.microsoft.com/office/drawing/2014/main" id="{59074D56-E944-5936-6273-82EA4647986C}"/>
               </a:ext>
             </a:extLst>
           </p:cNvPr>
@@ -2116,7 +2116,7 @@
           <a:bodyPr/>
           <a:lstStyle/>
           <a:p>
-            <a:fld id="{FF5D0CA1-1CE2-4D74-8B65-51CCEEE335C9}" type="slidenum">
+            <a:fld id="{387D6409-6D24-4FBE-9F54-EE6ED8E27A37}" type="slidenum">
               <a:rPr lang="zh-CN" altLang="en-US" smtClean="0"/>
               <a:t>‹#›</a:t>
             </a:fld>
@@ -2127,7 +2127,7 @@
     </p:spTree>
     <p:extLst>
       <p:ext uri="{BB962C8B-B14F-4D97-AF65-F5344CB8AC3E}">
-        <p14:creationId xmlns:p14="http://schemas.microsoft.com/office/powerpoint/2010/main" val="583102793"/>
+        <p14:creationId xmlns:p14="http://schemas.microsoft.com/office/powerpoint/2010/main" val="1097146756"/>
       </p:ext>
     </p:extLst>
   </p:cSld>
@@ -2159,7 +2159,7 @@
           <p:cNvPr id="2" name="标题 1">
             <a:extLst>
               <a:ext uri="{FF2B5EF4-FFF2-40B4-BE49-F238E27FC236}">
-                <a16:creationId xmlns:a16="http://schemas.microsoft.com/office/drawing/2014/main" id="{41472C16-DC0E-CD04-E579-9120C9928CE6}"/>
+                <a16:creationId xmlns:a16="http://schemas.microsoft.com/office/drawing/2014/main" id="{1BF56580-D68A-33A3-4A32-3E8622CCE079}"/>
               </a:ext>
             </a:extLst>
           </p:cNvPr>
@@ -2196,7 +2196,7 @@
           <p:cNvPr id="3" name="内容占位符 2">
             <a:extLst>
               <a:ext uri="{FF2B5EF4-FFF2-40B4-BE49-F238E27FC236}">
-                <a16:creationId xmlns:a16="http://schemas.microsoft.com/office/drawing/2014/main" id="{B7903F01-D2B5-84FC-CDA4-07EB0B7F434C}"/>
+                <a16:creationId xmlns:a16="http://schemas.microsoft.com/office/drawing/2014/main" id="{D007000D-E644-703B-FAAE-BE4816AEC6ED}"/>
               </a:ext>
             </a:extLst>
           </p:cNvPr>
@@ -2286,7 +2286,7 @@
           <p:cNvPr id="4" name="文本占位符 3">
             <a:extLst>
               <a:ext uri="{FF2B5EF4-FFF2-40B4-BE49-F238E27FC236}">
-                <a16:creationId xmlns:a16="http://schemas.microsoft.com/office/drawing/2014/main" id="{0C874F0F-CDDE-AB09-60C9-D9FB104B5E07}"/>
+                <a16:creationId xmlns:a16="http://schemas.microsoft.com/office/drawing/2014/main" id="{B314E302-F3AE-13FE-7F5C-F6280108E90B}"/>
               </a:ext>
             </a:extLst>
           </p:cNvPr>
@@ -2357,7 +2357,7 @@
           <p:cNvPr id="5" name="日期占位符 4">
             <a:extLst>
               <a:ext uri="{FF2B5EF4-FFF2-40B4-BE49-F238E27FC236}">
-                <a16:creationId xmlns:a16="http://schemas.microsoft.com/office/drawing/2014/main" id="{F9BC1FD2-390B-962E-92C1-80FCCCA49FF1}"/>
+                <a16:creationId xmlns:a16="http://schemas.microsoft.com/office/drawing/2014/main" id="{0203E5E3-25C1-815B-F84F-DD5686E73F63}"/>
               </a:ext>
             </a:extLst>
           </p:cNvPr>
@@ -2373,7 +2373,7 @@
           <a:bodyPr/>
           <a:lstStyle/>
           <a:p>
-            <a:fld id="{708B04D0-27CF-4B6A-9456-E6684E1C97B6}" type="datetimeFigureOut">
+            <a:fld id="{6F3F99D4-BCD1-47AE-8E5D-4E78E92B4144}" type="datetimeFigureOut">
               <a:rPr lang="zh-CN" altLang="en-US" smtClean="0"/>
               <a:t>2024/3/10</a:t>
             </a:fld>
@@ -2386,7 +2386,7 @@
           <p:cNvPr id="6" name="页脚占位符 5">
             <a:extLst>
               <a:ext uri="{FF2B5EF4-FFF2-40B4-BE49-F238E27FC236}">
-                <a16:creationId xmlns:a16="http://schemas.microsoft.com/office/drawing/2014/main" id="{11D7F918-5E60-8D58-BA71-78876D9C403B}"/>
+                <a16:creationId xmlns:a16="http://schemas.microsoft.com/office/drawing/2014/main" id="{0896DEDB-3888-D2B8-B129-3F49253C0BE0}"/>
               </a:ext>
             </a:extLst>
           </p:cNvPr>
@@ -2411,7 +2411,7 @@
           <p:cNvPr id="7" name="灯片编号占位符 6">
             <a:extLst>
               <a:ext uri="{FF2B5EF4-FFF2-40B4-BE49-F238E27FC236}">
-                <a16:creationId xmlns:a16="http://schemas.microsoft.com/office/drawing/2014/main" id="{B7325711-AC31-39D0-B652-FFFE8A537666}"/>
+                <a16:creationId xmlns:a16="http://schemas.microsoft.com/office/drawing/2014/main" id="{A14C8E7D-7F7D-7D30-563D-8F4A6D0D142A}"/>
               </a:ext>
             </a:extLst>
           </p:cNvPr>
@@ -2427,7 +2427,7 @@
           <a:bodyPr/>
           <a:lstStyle/>
           <a:p>
-            <a:fld id="{FF5D0CA1-1CE2-4D74-8B65-51CCEEE335C9}" type="slidenum">
+            <a:fld id="{387D6409-6D24-4FBE-9F54-EE6ED8E27A37}" type="slidenum">
               <a:rPr lang="zh-CN" altLang="en-US" smtClean="0"/>
               <a:t>‹#›</a:t>
             </a:fld>
@@ -2438,7 +2438,7 @@
     </p:spTree>
     <p:extLst>
       <p:ext uri="{BB962C8B-B14F-4D97-AF65-F5344CB8AC3E}">
-        <p14:creationId xmlns:p14="http://schemas.microsoft.com/office/powerpoint/2010/main" val="3736066010"/>
+        <p14:creationId xmlns:p14="http://schemas.microsoft.com/office/powerpoint/2010/main" val="2113738406"/>
       </p:ext>
     </p:extLst>
   </p:cSld>
@@ -2470,7 +2470,7 @@
           <p:cNvPr id="2" name="标题 1">
             <a:extLst>
               <a:ext uri="{FF2B5EF4-FFF2-40B4-BE49-F238E27FC236}">
-                <a16:creationId xmlns:a16="http://schemas.microsoft.com/office/drawing/2014/main" id="{10566958-9EA2-6EEA-CAE8-2176F58FF89F}"/>
+                <a16:creationId xmlns:a16="http://schemas.microsoft.com/office/drawing/2014/main" id="{E813B310-CC3A-0E54-B026-00975B26DDE1}"/>
               </a:ext>
             </a:extLst>
           </p:cNvPr>
@@ -2507,7 +2507,7 @@
           <p:cNvPr id="3" name="图片占位符 2">
             <a:extLst>
               <a:ext uri="{FF2B5EF4-FFF2-40B4-BE49-F238E27FC236}">
-                <a16:creationId xmlns:a16="http://schemas.microsoft.com/office/drawing/2014/main" id="{E9724698-A6E3-0EE6-F537-B91294F6F584}"/>
+                <a16:creationId xmlns:a16="http://schemas.microsoft.com/office/drawing/2014/main" id="{BC269AC8-BF0F-A172-0E44-EEF0CBE5B0FB}"/>
               </a:ext>
             </a:extLst>
           </p:cNvPr>
@@ -2574,7 +2574,7 @@
           <p:cNvPr id="4" name="文本占位符 3">
             <a:extLst>
               <a:ext uri="{FF2B5EF4-FFF2-40B4-BE49-F238E27FC236}">
-                <a16:creationId xmlns:a16="http://schemas.microsoft.com/office/drawing/2014/main" id="{FD2B3304-7F2E-FB7A-3CD1-F9D48F2EBA03}"/>
+                <a16:creationId xmlns:a16="http://schemas.microsoft.com/office/drawing/2014/main" id="{D7063606-FC90-F138-4E60-F3B5F9BE1B46}"/>
               </a:ext>
             </a:extLst>
           </p:cNvPr>
@@ -2645,7 +2645,7 @@
           <p:cNvPr id="5" name="日期占位符 4">
             <a:extLst>
               <a:ext uri="{FF2B5EF4-FFF2-40B4-BE49-F238E27FC236}">
-                <a16:creationId xmlns:a16="http://schemas.microsoft.com/office/drawing/2014/main" id="{B89C378B-FB9B-2DE0-7502-306EC5B5B002}"/>
+                <a16:creationId xmlns:a16="http://schemas.microsoft.com/office/drawing/2014/main" id="{443210C2-7F44-B70A-2031-CE541D131E61}"/>
               </a:ext>
             </a:extLst>
           </p:cNvPr>
@@ -2661,7 +2661,7 @@
           <a:bodyPr/>
           <a:lstStyle/>
           <a:p>
-            <a:fld id="{708B04D0-27CF-4B6A-9456-E6684E1C97B6}" type="datetimeFigureOut">
+            <a:fld id="{6F3F99D4-BCD1-47AE-8E5D-4E78E92B4144}" type="datetimeFigureOut">
               <a:rPr lang="zh-CN" altLang="en-US" smtClean="0"/>
               <a:t>2024/3/10</a:t>
             </a:fld>
@@ -2674,7 +2674,7 @@
           <p:cNvPr id="6" name="页脚占位符 5">
             <a:extLst>
               <a:ext uri="{FF2B5EF4-FFF2-40B4-BE49-F238E27FC236}">
-                <a16:creationId xmlns:a16="http://schemas.microsoft.com/office/drawing/2014/main" id="{8576E6C0-A851-1D8F-E543-C589CF977B8C}"/>
+                <a16:creationId xmlns:a16="http://schemas.microsoft.com/office/drawing/2014/main" id="{AE254ADD-B1C0-6D9B-2493-DA038DA73B5D}"/>
               </a:ext>
             </a:extLst>
           </p:cNvPr>
@@ -2699,7 +2699,7 @@
           <p:cNvPr id="7" name="灯片编号占位符 6">
             <a:extLst>
               <a:ext uri="{FF2B5EF4-FFF2-40B4-BE49-F238E27FC236}">
-                <a16:creationId xmlns:a16="http://schemas.microsoft.com/office/drawing/2014/main" id="{01039B60-BC8C-7191-AB8E-F539E2CD8B15}"/>
+                <a16:creationId xmlns:a16="http://schemas.microsoft.com/office/drawing/2014/main" id="{C44B9C56-D719-BA2D-E6DA-6FDA91B550BA}"/>
               </a:ext>
             </a:extLst>
           </p:cNvPr>
@@ -2715,7 +2715,7 @@
           <a:bodyPr/>
           <a:lstStyle/>
           <a:p>
-            <a:fld id="{FF5D0CA1-1CE2-4D74-8B65-51CCEEE335C9}" type="slidenum">
+            <a:fld id="{387D6409-6D24-4FBE-9F54-EE6ED8E27A37}" type="slidenum">
               <a:rPr lang="zh-CN" altLang="en-US" smtClean="0"/>
               <a:t>‹#›</a:t>
             </a:fld>
@@ -2726,7 +2726,7 @@
     </p:spTree>
     <p:extLst>
       <p:ext uri="{BB962C8B-B14F-4D97-AF65-F5344CB8AC3E}">
-        <p14:creationId xmlns:p14="http://schemas.microsoft.com/office/powerpoint/2010/main" val="372455813"/>
+        <p14:creationId xmlns:p14="http://schemas.microsoft.com/office/powerpoint/2010/main" val="4035738139"/>
       </p:ext>
     </p:extLst>
   </p:cSld>
@@ -2763,7 +2763,7 @@
           <p:cNvPr id="2" name="标题占位符 1">
             <a:extLst>
               <a:ext uri="{FF2B5EF4-FFF2-40B4-BE49-F238E27FC236}">
-                <a16:creationId xmlns:a16="http://schemas.microsoft.com/office/drawing/2014/main" id="{2EBCF62B-28B8-FAC4-CB16-9443E316D033}"/>
+                <a16:creationId xmlns:a16="http://schemas.microsoft.com/office/drawing/2014/main" id="{C205D808-FFC3-E72B-0AA8-D87A1C7D3927}"/>
               </a:ext>
             </a:extLst>
           </p:cNvPr>
@@ -2801,7 +2801,7 @@
           <p:cNvPr id="3" name="文本占位符 2">
             <a:extLst>
               <a:ext uri="{FF2B5EF4-FFF2-40B4-BE49-F238E27FC236}">
-                <a16:creationId xmlns:a16="http://schemas.microsoft.com/office/drawing/2014/main" id="{F528B078-CA89-C4A7-03E7-10C76D3A9648}"/>
+                <a16:creationId xmlns:a16="http://schemas.microsoft.com/office/drawing/2014/main" id="{746C2FC8-CFFD-7510-24E3-0FD9D2F05C7B}"/>
               </a:ext>
             </a:extLst>
           </p:cNvPr>
@@ -2868,7 +2868,7 @@
           <p:cNvPr id="4" name="日期占位符 3">
             <a:extLst>
               <a:ext uri="{FF2B5EF4-FFF2-40B4-BE49-F238E27FC236}">
-                <a16:creationId xmlns:a16="http://schemas.microsoft.com/office/drawing/2014/main" id="{E08B0CB7-8432-0E00-7A5E-26499CA829AF}"/>
+                <a16:creationId xmlns:a16="http://schemas.microsoft.com/office/drawing/2014/main" id="{BD7AE9E4-44F0-6DE6-5452-49D4DBD0DBEB}"/>
               </a:ext>
             </a:extLst>
           </p:cNvPr>
@@ -2902,7 +2902,7 @@
             </a:lvl1pPr>
           </a:lstStyle>
           <a:p>
-            <a:fld id="{708B04D0-27CF-4B6A-9456-E6684E1C97B6}" type="datetimeFigureOut">
+            <a:fld id="{6F3F99D4-BCD1-47AE-8E5D-4E78E92B4144}" type="datetimeFigureOut">
               <a:rPr lang="zh-CN" altLang="en-US" smtClean="0"/>
               <a:t>2024/3/10</a:t>
             </a:fld>
@@ -2915,7 +2915,7 @@
           <p:cNvPr id="5" name="页脚占位符 4">
             <a:extLst>
               <a:ext uri="{FF2B5EF4-FFF2-40B4-BE49-F238E27FC236}">
-                <a16:creationId xmlns:a16="http://schemas.microsoft.com/office/drawing/2014/main" id="{F10D2BE2-AEF2-C4A1-08D0-3450DA266945}"/>
+                <a16:creationId xmlns:a16="http://schemas.microsoft.com/office/drawing/2014/main" id="{3FE6D965-F8E0-3E64-C613-782FF525E703}"/>
               </a:ext>
             </a:extLst>
           </p:cNvPr>
@@ -2958,7 +2958,7 @@
           <p:cNvPr id="6" name="灯片编号占位符 5">
             <a:extLst>
               <a:ext uri="{FF2B5EF4-FFF2-40B4-BE49-F238E27FC236}">
-                <a16:creationId xmlns:a16="http://schemas.microsoft.com/office/drawing/2014/main" id="{A3B6BBCF-2B2F-5835-80DC-F47CC3313C50}"/>
+                <a16:creationId xmlns:a16="http://schemas.microsoft.com/office/drawing/2014/main" id="{58D54043-C002-DCCF-ACD3-E985A5BE27FF}"/>
               </a:ext>
             </a:extLst>
           </p:cNvPr>
@@ -2992,7 +2992,7 @@
             </a:lvl1pPr>
           </a:lstStyle>
           <a:p>
-            <a:fld id="{FF5D0CA1-1CE2-4D74-8B65-51CCEEE335C9}" type="slidenum">
+            <a:fld id="{387D6409-6D24-4FBE-9F54-EE6ED8E27A37}" type="slidenum">
               <a:rPr lang="zh-CN" altLang="en-US" smtClean="0"/>
               <a:t>‹#›</a:t>
             </a:fld>
@@ -3003,7 +3003,7 @@
     </p:spTree>
     <p:extLst>
       <p:ext uri="{BB962C8B-B14F-4D97-AF65-F5344CB8AC3E}">
-        <p14:creationId xmlns:p14="http://schemas.microsoft.com/office/powerpoint/2010/main" val="3176746254"/>
+        <p14:creationId xmlns:p14="http://schemas.microsoft.com/office/powerpoint/2010/main" val="2279856799"/>
       </p:ext>
     </p:extLst>
   </p:cSld>
@@ -3323,7 +3323,7 @@
       </p:grpSpPr>
       <p:pic>
         <p:nvPicPr>
-          <p:cNvPr id="1366018" name="Picture 2" descr="133300"/>
+          <p:cNvPr id="1367042" name="Picture 2" descr="1334"/>
           <p:cNvPicPr>
             <a:picLocks noChangeAspect="1" noChangeArrowheads="1"/>
           </p:cNvPicPr>
@@ -3344,8 +3344,8 @@
         </p:blipFill>
         <p:spPr bwMode="auto">
           <a:xfrm>
-            <a:off x="1562101" y="44451"/>
-            <a:ext cx="9070975" cy="6696075"/>
+            <a:off x="1524000" y="1"/>
+            <a:ext cx="9144000" cy="5445125"/>
           </a:xfrm>
           <a:prstGeom prst="rect">
             <a:avLst/>
@@ -3354,7 +3354,6 @@
           <a:ln>
             <a:noFill/>
           </a:ln>
-          <a:effectLst/>
           <a:extLst>
             <a:ext uri="{909E8E84-426E-40DD-AFC4-6F175D3DCCD1}">
               <a14:hiddenFill xmlns:a14="http://schemas.microsoft.com/office/drawing/2010/main">
@@ -3372,15 +3371,6 @@
                 <a:headEnd/>
                 <a:tailEnd/>
               </a14:hiddenLine>
-            </a:ext>
-            <a:ext uri="{AF507438-7753-43E0-B8FC-AC1667EBCBE1}">
-              <a14:hiddenEffects xmlns:a14="http://schemas.microsoft.com/office/drawing/2010/main">
-                <a:effectLst>
-                  <a:outerShdw dist="35921" dir="2700000" algn="ctr" rotWithShape="0">
-                    <a:srgbClr val="808080"/>
-                  </a:outerShdw>
-                </a:effectLst>
-              </a14:hiddenEffects>
             </a:ext>
           </a:extLst>
         </p:spPr>
